--- a/ProgressMeetings/Method_Meeting_1_Dec.pptx
+++ b/ProgressMeetings/Method_Meeting_1_Dec.pptx
@@ -203,7 +203,7 @@
           <a:p>
             <a:fld id="{0336C2C2-2F87-0B45-B19D-30C8D71FD05B}" type="datetimeFigureOut">
               <a:rPr lang="en-US" smtClean="0"/>
-              <a:t>12/16/22</a:t>
+              <a:t>1/20/23</a:t>
             </a:fld>
             <a:endParaRPr lang="en-US"/>
           </a:p>
@@ -704,7 +704,7 @@
           <a:p>
             <a:fld id="{D2BE9F30-FA0C-7144-9CDC-BE249F9500EC}" type="datetimeFigureOut">
               <a:rPr lang="en-US" smtClean="0"/>
-              <a:t>12/16/22</a:t>
+              <a:t>1/20/23</a:t>
             </a:fld>
             <a:endParaRPr lang="en-US"/>
           </a:p>
@@ -904,7 +904,7 @@
           <a:p>
             <a:fld id="{D2BE9F30-FA0C-7144-9CDC-BE249F9500EC}" type="datetimeFigureOut">
               <a:rPr lang="en-US" smtClean="0"/>
-              <a:t>12/16/22</a:t>
+              <a:t>1/20/23</a:t>
             </a:fld>
             <a:endParaRPr lang="en-US"/>
           </a:p>
@@ -1114,7 +1114,7 @@
           <a:p>
             <a:fld id="{D2BE9F30-FA0C-7144-9CDC-BE249F9500EC}" type="datetimeFigureOut">
               <a:rPr lang="en-US" smtClean="0"/>
-              <a:t>12/16/22</a:t>
+              <a:t>1/20/23</a:t>
             </a:fld>
             <a:endParaRPr lang="en-US"/>
           </a:p>
@@ -1314,7 +1314,7 @@
           <a:p>
             <a:fld id="{D2BE9F30-FA0C-7144-9CDC-BE249F9500EC}" type="datetimeFigureOut">
               <a:rPr lang="en-US" smtClean="0"/>
-              <a:t>12/16/22</a:t>
+              <a:t>1/20/23</a:t>
             </a:fld>
             <a:endParaRPr lang="en-US"/>
           </a:p>
@@ -1590,7 +1590,7 @@
           <a:p>
             <a:fld id="{D2BE9F30-FA0C-7144-9CDC-BE249F9500EC}" type="datetimeFigureOut">
               <a:rPr lang="en-US" smtClean="0"/>
-              <a:t>12/16/22</a:t>
+              <a:t>1/20/23</a:t>
             </a:fld>
             <a:endParaRPr lang="en-US"/>
           </a:p>
@@ -1858,7 +1858,7 @@
           <a:p>
             <a:fld id="{D2BE9F30-FA0C-7144-9CDC-BE249F9500EC}" type="datetimeFigureOut">
               <a:rPr lang="en-US" smtClean="0"/>
-              <a:t>12/16/22</a:t>
+              <a:t>1/20/23</a:t>
             </a:fld>
             <a:endParaRPr lang="en-US"/>
           </a:p>
@@ -2273,7 +2273,7 @@
           <a:p>
             <a:fld id="{D2BE9F30-FA0C-7144-9CDC-BE249F9500EC}" type="datetimeFigureOut">
               <a:rPr lang="en-US" smtClean="0"/>
-              <a:t>12/16/22</a:t>
+              <a:t>1/20/23</a:t>
             </a:fld>
             <a:endParaRPr lang="en-US"/>
           </a:p>
@@ -2415,7 +2415,7 @@
           <a:p>
             <a:fld id="{D2BE9F30-FA0C-7144-9CDC-BE249F9500EC}" type="datetimeFigureOut">
               <a:rPr lang="en-US" smtClean="0"/>
-              <a:t>12/16/22</a:t>
+              <a:t>1/20/23</a:t>
             </a:fld>
             <a:endParaRPr lang="en-US"/>
           </a:p>
@@ -2528,7 +2528,7 @@
           <a:p>
             <a:fld id="{D2BE9F30-FA0C-7144-9CDC-BE249F9500EC}" type="datetimeFigureOut">
               <a:rPr lang="en-US" smtClean="0"/>
-              <a:t>12/16/22</a:t>
+              <a:t>1/20/23</a:t>
             </a:fld>
             <a:endParaRPr lang="en-US"/>
           </a:p>
@@ -2841,7 +2841,7 @@
           <a:p>
             <a:fld id="{D2BE9F30-FA0C-7144-9CDC-BE249F9500EC}" type="datetimeFigureOut">
               <a:rPr lang="en-US" smtClean="0"/>
-              <a:t>12/16/22</a:t>
+              <a:t>1/20/23</a:t>
             </a:fld>
             <a:endParaRPr lang="en-US"/>
           </a:p>
@@ -3130,7 +3130,7 @@
           <a:p>
             <a:fld id="{D2BE9F30-FA0C-7144-9CDC-BE249F9500EC}" type="datetimeFigureOut">
               <a:rPr lang="en-US" smtClean="0"/>
-              <a:t>12/16/22</a:t>
+              <a:t>1/20/23</a:t>
             </a:fld>
             <a:endParaRPr lang="en-US"/>
           </a:p>
@@ -3373,7 +3373,7 @@
           <a:p>
             <a:fld id="{D2BE9F30-FA0C-7144-9CDC-BE249F9500EC}" type="datetimeFigureOut">
               <a:rPr lang="en-US" smtClean="0"/>
-              <a:t>12/16/22</a:t>
+              <a:t>1/20/23</a:t>
             </a:fld>
             <a:endParaRPr lang="en-US"/>
           </a:p>
@@ -8414,7 +8414,7 @@
         <p:grpSpPr>
           <a:xfrm>
             <a:off x="0" y="536979"/>
-            <a:ext cx="15684167" cy="4675367"/>
+            <a:ext cx="15684167" cy="4672800"/>
             <a:chOff x="147072" y="481895"/>
             <a:chExt cx="15684167" cy="4675367"/>
           </a:xfrm>
@@ -8922,7 +8922,7 @@
                       <a:latin typeface="Times New Roman" panose="02020603050405020304" pitchFamily="18" charset="0"/>
                       <a:cs typeface="Times New Roman" panose="02020603050405020304" pitchFamily="18" charset="0"/>
                     </a:rPr>
-                    <a:t>MRs Checker</a:t>
+                    <a:t>MR Checker</a:t>
                   </a:r>
                   <a:endParaRPr lang="en-CO" sz="1400" dirty="0">
                     <a:solidFill>
